--- a/SinuosidadCauceAnalisis/Graph/Graph.pptx
+++ b/SinuosidadCauceAnalisis/Graph/Graph.pptx
@@ -104,6 +104,11 @@
       </a:defRPr>
     </a:lvl9pPr>
   </p:defaultTextStyle>
+  <p:extLst>
+    <p:ext uri="{EFAFB233-063F-42B5-8137-9DF3F51BA10A}">
+      <p15:sldGuideLst xmlns:p15="http://schemas.microsoft.com/office/powerpoint/2012/main"/>
+    </p:ext>
+  </p:extLst>
 </p:presentation>
 </file>
 
@@ -256,7 +261,7 @@
           <a:p>
             <a:fld id="{992110D5-12A4-47CE-AEA1-C085FAB6CCD2}" type="datetimeFigureOut">
               <a:rPr lang="es-CO" smtClean="0"/>
-              <a:t>07/08/2024</a:t>
+              <a:t>20/08/2024</a:t>
             </a:fld>
             <a:endParaRPr lang="es-CO"/>
           </a:p>
@@ -456,7 +461,7 @@
           <a:p>
             <a:fld id="{992110D5-12A4-47CE-AEA1-C085FAB6CCD2}" type="datetimeFigureOut">
               <a:rPr lang="es-CO" smtClean="0"/>
-              <a:t>07/08/2024</a:t>
+              <a:t>20/08/2024</a:t>
             </a:fld>
             <a:endParaRPr lang="es-CO"/>
           </a:p>
@@ -666,7 +671,7 @@
           <a:p>
             <a:fld id="{992110D5-12A4-47CE-AEA1-C085FAB6CCD2}" type="datetimeFigureOut">
               <a:rPr lang="es-CO" smtClean="0"/>
-              <a:t>07/08/2024</a:t>
+              <a:t>20/08/2024</a:t>
             </a:fld>
             <a:endParaRPr lang="es-CO"/>
           </a:p>
@@ -866,7 +871,7 @@
           <a:p>
             <a:fld id="{992110D5-12A4-47CE-AEA1-C085FAB6CCD2}" type="datetimeFigureOut">
               <a:rPr lang="es-CO" smtClean="0"/>
-              <a:t>07/08/2024</a:t>
+              <a:t>20/08/2024</a:t>
             </a:fld>
             <a:endParaRPr lang="es-CO"/>
           </a:p>
@@ -1142,7 +1147,7 @@
           <a:p>
             <a:fld id="{992110D5-12A4-47CE-AEA1-C085FAB6CCD2}" type="datetimeFigureOut">
               <a:rPr lang="es-CO" smtClean="0"/>
-              <a:t>07/08/2024</a:t>
+              <a:t>20/08/2024</a:t>
             </a:fld>
             <a:endParaRPr lang="es-CO"/>
           </a:p>
@@ -1410,7 +1415,7 @@
           <a:p>
             <a:fld id="{992110D5-12A4-47CE-AEA1-C085FAB6CCD2}" type="datetimeFigureOut">
               <a:rPr lang="es-CO" smtClean="0"/>
-              <a:t>07/08/2024</a:t>
+              <a:t>20/08/2024</a:t>
             </a:fld>
             <a:endParaRPr lang="es-CO"/>
           </a:p>
@@ -1825,7 +1830,7 @@
           <a:p>
             <a:fld id="{992110D5-12A4-47CE-AEA1-C085FAB6CCD2}" type="datetimeFigureOut">
               <a:rPr lang="es-CO" smtClean="0"/>
-              <a:t>07/08/2024</a:t>
+              <a:t>20/08/2024</a:t>
             </a:fld>
             <a:endParaRPr lang="es-CO"/>
           </a:p>
@@ -1967,7 +1972,7 @@
           <a:p>
             <a:fld id="{992110D5-12A4-47CE-AEA1-C085FAB6CCD2}" type="datetimeFigureOut">
               <a:rPr lang="es-CO" smtClean="0"/>
-              <a:t>07/08/2024</a:t>
+              <a:t>20/08/2024</a:t>
             </a:fld>
             <a:endParaRPr lang="es-CO"/>
           </a:p>
@@ -2080,7 +2085,7 @@
           <a:p>
             <a:fld id="{992110D5-12A4-47CE-AEA1-C085FAB6CCD2}" type="datetimeFigureOut">
               <a:rPr lang="es-CO" smtClean="0"/>
-              <a:t>07/08/2024</a:t>
+              <a:t>20/08/2024</a:t>
             </a:fld>
             <a:endParaRPr lang="es-CO"/>
           </a:p>
@@ -2393,7 +2398,7 @@
           <a:p>
             <a:fld id="{992110D5-12A4-47CE-AEA1-C085FAB6CCD2}" type="datetimeFigureOut">
               <a:rPr lang="es-CO" smtClean="0"/>
-              <a:t>07/08/2024</a:t>
+              <a:t>20/08/2024</a:t>
             </a:fld>
             <a:endParaRPr lang="es-CO"/>
           </a:p>
@@ -2682,7 +2687,7 @@
           <a:p>
             <a:fld id="{992110D5-12A4-47CE-AEA1-C085FAB6CCD2}" type="datetimeFigureOut">
               <a:rPr lang="es-CO" smtClean="0"/>
-              <a:t>07/08/2024</a:t>
+              <a:t>20/08/2024</a:t>
             </a:fld>
             <a:endParaRPr lang="es-CO"/>
           </a:p>
@@ -2925,7 +2930,7 @@
           <a:p>
             <a:fld id="{992110D5-12A4-47CE-AEA1-C085FAB6CCD2}" type="datetimeFigureOut">
               <a:rPr lang="es-CO" smtClean="0"/>
-              <a:t>07/08/2024</a:t>
+              <a:t>20/08/2024</a:t>
             </a:fld>
             <a:endParaRPr lang="es-CO"/>
           </a:p>
@@ -3364,13 +3369,17 @@
           </a:prstGeom>
           <a:blipFill>
             <a:blip r:embed="rId2">
-              <a:duotone>
-                <a:prstClr val="black"/>
-                <a:schemeClr val="tx2">
-                  <a:tint val="45000"/>
-                  <a:satMod val="400000"/>
-                </a:schemeClr>
-              </a:duotone>
+              <a:extLst>
+                <a:ext uri="{BEBA8EAE-BF5A-486C-A8C5-ECC9F3942E4B}">
+                  <a14:imgProps xmlns:a14="http://schemas.microsoft.com/office/drawing/2010/main">
+                    <a14:imgLayer r:embed="rId3">
+                      <a14:imgEffect>
+                        <a14:saturation sat="0"/>
+                      </a14:imgEffect>
+                    </a14:imgLayer>
+                  </a14:imgProps>
+                </a:ext>
+              </a:extLst>
             </a:blip>
             <a:stretch>
               <a:fillRect/>
